--- a/assets/app-presentation.pptx
+++ b/assets/app-presentation.pptx
@@ -171,6 +171,66 @@
 </p:presentation>
 </file>
 
+<file path=ppt/changesInfos/changesInfo1.xml><?xml version="1.0" encoding="utf-8"?>
+<pc:chgInfo xmlns:a="http://schemas.openxmlformats.org/drawingml/2006/main" xmlns:r="http://schemas.openxmlformats.org/officeDocument/2006/relationships" xmlns:ac="http://schemas.microsoft.com/office/drawing/2013/main/command" xmlns:pc="http://schemas.microsoft.com/office/powerpoint/2013/main/command">
+  <pc:docChgLst>
+    <pc:chgData name="Stuart Simmons" userId="e0cddacd85bcd9b4" providerId="LiveId" clId="{72D714EB-0BF4-0A43-AA47-A10541B79D17}"/>
+    <pc:docChg chg="custSel modSld">
+      <pc:chgData name="Stuart Simmons" userId="e0cddacd85bcd9b4" providerId="LiveId" clId="{72D714EB-0BF4-0A43-AA47-A10541B79D17}" dt="2021-12-06T00:00:05.700" v="488" actId="403"/>
+      <pc:docMkLst>
+        <pc:docMk/>
+      </pc:docMkLst>
+      <pc:sldChg chg="modSp mod">
+        <pc:chgData name="Stuart Simmons" userId="e0cddacd85bcd9b4" providerId="LiveId" clId="{72D714EB-0BF4-0A43-AA47-A10541B79D17}" dt="2021-12-05T23:05:21.090" v="486" actId="20577"/>
+        <pc:sldMkLst>
+          <pc:docMk/>
+          <pc:sldMk cId="0" sldId="296"/>
+        </pc:sldMkLst>
+        <pc:spChg chg="mod">
+          <ac:chgData name="Stuart Simmons" userId="e0cddacd85bcd9b4" providerId="LiveId" clId="{72D714EB-0BF4-0A43-AA47-A10541B79D17}" dt="2021-12-05T23:05:21.090" v="486" actId="20577"/>
+          <ac:spMkLst>
+            <pc:docMk/>
+            <pc:sldMk cId="0" sldId="296"/>
+            <ac:spMk id="5" creationId="{00000000-0000-0000-0000-000000000000}"/>
+          </ac:spMkLst>
+        </pc:spChg>
+        <pc:spChg chg="mod">
+          <ac:chgData name="Stuart Simmons" userId="e0cddacd85bcd9b4" providerId="LiveId" clId="{72D714EB-0BF4-0A43-AA47-A10541B79D17}" dt="2021-12-05T22:56:19.469" v="481" actId="20577"/>
+          <ac:spMkLst>
+            <pc:docMk/>
+            <pc:sldMk cId="0" sldId="296"/>
+            <ac:spMk id="6" creationId="{00000000-0000-0000-0000-000000000000}"/>
+          </ac:spMkLst>
+        </pc:spChg>
+      </pc:sldChg>
+      <pc:sldChg chg="modSp mod">
+        <pc:chgData name="Stuart Simmons" userId="e0cddacd85bcd9b4" providerId="LiveId" clId="{72D714EB-0BF4-0A43-AA47-A10541B79D17}" dt="2021-12-06T00:00:05.700" v="488" actId="403"/>
+        <pc:sldMkLst>
+          <pc:docMk/>
+          <pc:sldMk cId="0" sldId="321"/>
+        </pc:sldMkLst>
+        <pc:spChg chg="mod">
+          <ac:chgData name="Stuart Simmons" userId="e0cddacd85bcd9b4" providerId="LiveId" clId="{72D714EB-0BF4-0A43-AA47-A10541B79D17}" dt="2021-12-05T22:34:37.746" v="6" actId="20577"/>
+          <ac:spMkLst>
+            <pc:docMk/>
+            <pc:sldMk cId="0" sldId="321"/>
+            <ac:spMk id="2" creationId="{00000000-0000-0000-0000-000000000000}"/>
+          </ac:spMkLst>
+        </pc:spChg>
+        <pc:spChg chg="mod">
+          <ac:chgData name="Stuart Simmons" userId="e0cddacd85bcd9b4" providerId="LiveId" clId="{72D714EB-0BF4-0A43-AA47-A10541B79D17}" dt="2021-12-06T00:00:05.700" v="488" actId="403"/>
+          <ac:spMkLst>
+            <pc:docMk/>
+            <pc:sldMk cId="0" sldId="321"/>
+            <ac:spMk id="37" creationId="{00000000-0000-0000-0000-000000000000}"/>
+          </ac:spMkLst>
+        </pc:spChg>
+      </pc:sldChg>
+    </pc:docChg>
+  </pc:docChgLst>
+</pc:chgInfo>
+</file>
+
 <file path=ppt/handoutMasters/handoutMaster1.xml><?xml version="1.0" encoding="utf-8"?>
 <p:handoutMaster xmlns:a="http://schemas.openxmlformats.org/drawingml/2006/main" xmlns:r="http://schemas.openxmlformats.org/officeDocument/2006/relationships" xmlns:p="http://schemas.openxmlformats.org/presentationml/2006/main">
   <p:cSld>
@@ -254,7 +314,7 @@
             <a:fld id="{D4CCFBE2-2B8D-499C-81C9-2CD5B3EB8E93}" type="datetimeFigureOut">
               <a:rPr lang="ko-KR" altLang="en-US" smtClean="0"/>
               <a:pPr/>
-              <a:t>2021. 12. 5.</a:t>
+              <a:t>2021. 12. 6.</a:t>
             </a:fld>
             <a:endParaRPr lang="ko-KR" altLang="en-US"/>
           </a:p>
@@ -421,7 +481,7 @@
             <a:fld id="{FB545AC5-813F-4ED1-B011-8EA17CB93331}" type="datetimeFigureOut">
               <a:rPr lang="ko-KR" altLang="en-US" smtClean="0"/>
               <a:pPr/>
-              <a:t>2021. 12. 5.</a:t>
+              <a:t>2021. 12. 6.</a:t>
             </a:fld>
             <a:endParaRPr lang="ko-KR" altLang="en-US"/>
           </a:p>
@@ -928,7 +988,7 @@
             <a:fld id="{ED3D6733-6F27-4404-AB51-585418F146E5}" type="datetimeFigureOut">
               <a:rPr lang="ko-KR" altLang="en-US" smtClean="0"/>
               <a:pPr/>
-              <a:t>2021. 12. 5.</a:t>
+              <a:t>2021. 12. 6.</a:t>
             </a:fld>
             <a:endParaRPr lang="ko-KR" altLang="en-US"/>
           </a:p>
@@ -1129,7 +1189,7 @@
             <a:fld id="{ED3D6733-6F27-4404-AB51-585418F146E5}" type="datetimeFigureOut">
               <a:rPr lang="ko-KR" altLang="en-US" smtClean="0"/>
               <a:pPr/>
-              <a:t>2021. 12. 5.</a:t>
+              <a:t>2021. 12. 6.</a:t>
             </a:fld>
             <a:endParaRPr lang="ko-KR" altLang="en-US"/>
           </a:p>
@@ -1259,7 +1319,7 @@
             <a:fld id="{ED3D6733-6F27-4404-AB51-585418F146E5}" type="datetimeFigureOut">
               <a:rPr lang="ko-KR" altLang="en-US" smtClean="0"/>
               <a:pPr/>
-              <a:t>2021. 12. 5.</a:t>
+              <a:t>2021. 12. 6.</a:t>
             </a:fld>
             <a:endParaRPr lang="ko-KR" altLang="en-US"/>
           </a:p>
@@ -1389,7 +1449,7 @@
             <a:fld id="{ED3D6733-6F27-4404-AB51-585418F146E5}" type="datetimeFigureOut">
               <a:rPr lang="ko-KR" altLang="en-US" smtClean="0"/>
               <a:pPr/>
-              <a:t>2021. 12. 5.</a:t>
+              <a:t>2021. 12. 6.</a:t>
             </a:fld>
             <a:endParaRPr lang="ko-KR" altLang="en-US"/>
           </a:p>
@@ -1695,7 +1755,7 @@
             <a:fld id="{ED3D6733-6F27-4404-AB51-585418F146E5}" type="datetimeFigureOut">
               <a:rPr lang="ko-KR" altLang="en-US" smtClean="0"/>
               <a:pPr/>
-              <a:t>2021. 12. 5.</a:t>
+              <a:t>2021. 12. 6.</a:t>
             </a:fld>
             <a:endParaRPr lang="ko-KR" altLang="en-US"/>
           </a:p>
@@ -2004,7 +2064,7 @@
             <a:fld id="{ED3D6733-6F27-4404-AB51-585418F146E5}" type="datetimeFigureOut">
               <a:rPr lang="ko-KR" altLang="en-US" smtClean="0"/>
               <a:pPr/>
-              <a:t>2021. 12. 5.</a:t>
+              <a:t>2021. 12. 6.</a:t>
             </a:fld>
             <a:endParaRPr lang="ko-KR" altLang="en-US"/>
           </a:p>
@@ -2286,7 +2346,7 @@
             <a:fld id="{ED3D6733-6F27-4404-AB51-585418F146E5}" type="datetimeFigureOut">
               <a:rPr lang="ko-KR" altLang="en-US" smtClean="0"/>
               <a:pPr/>
-              <a:t>2021. 12. 5.</a:t>
+              <a:t>2021. 12. 6.</a:t>
             </a:fld>
             <a:endParaRPr lang="ko-KR" altLang="en-US"/>
           </a:p>
@@ -3811,10 +3871,50 @@
           <a:lstStyle/>
           <a:p>
             <a:r>
-              <a:rPr lang="en-US" altLang="ko-KR" dirty="0"/>
-              <a:t>Replace with your own text</a:t>
+              <a:rPr lang="en-US" altLang="ko-KR" sz="3200" b="1" dirty="0"/>
+              <a:t>The purpose of our app: </a:t>
             </a:r>
-            <a:endParaRPr lang="ko-KR" altLang="en-US" dirty="0"/>
+          </a:p>
+          <a:p>
+            <a:pPr lvl="1">
+              <a:buFont typeface="Arial" panose="020B0604020202020204" pitchFamily="34" charset="0"/>
+              <a:buChar char="•"/>
+            </a:pPr>
+            <a:r>
+              <a:rPr lang="en-US" altLang="ko-KR" sz="2400" dirty="0"/>
+              <a:t>To create an easy-to-use web-based application to record pilot’s flight times.</a:t>
+            </a:r>
+          </a:p>
+          <a:p>
+            <a:pPr lvl="1">
+              <a:buFont typeface="Arial" panose="020B0604020202020204" pitchFamily="34" charset="0"/>
+              <a:buChar char="•"/>
+            </a:pPr>
+            <a:r>
+              <a:rPr lang="en-US" altLang="ko-KR" sz="2400" dirty="0"/>
+              <a:t>Record departure and arrival airports and time and automatically calculate flight time.</a:t>
+            </a:r>
+          </a:p>
+          <a:p>
+            <a:pPr lvl="1">
+              <a:buFont typeface="Arial" panose="020B0604020202020204" pitchFamily="34" charset="0"/>
+              <a:buChar char="•"/>
+            </a:pPr>
+            <a:r>
+              <a:rPr lang="en-US" altLang="ko-KR" sz="2400" dirty="0"/>
+              <a:t>Record each flight against a specific aircraft type and registration id.</a:t>
+            </a:r>
+          </a:p>
+          <a:p>
+            <a:pPr lvl="1">
+              <a:buFont typeface="Arial" panose="020B0604020202020204" pitchFamily="34" charset="0"/>
+              <a:buChar char="•"/>
+            </a:pPr>
+            <a:r>
+              <a:rPr lang="en-US" altLang="ko-KR" sz="2400" dirty="0"/>
+              <a:t>Secure login and once you have been logged in, stay logged in until your session expires or you logout</a:t>
+            </a:r>
+            <a:endParaRPr lang="ko-KR" altLang="en-US" sz="2400" dirty="0"/>
           </a:p>
         </p:txBody>
       </p:sp>
@@ -3835,7 +3935,7 @@
           <a:p>
             <a:r>
               <a:rPr lang="en-US" altLang="ko-KR" dirty="0"/>
-              <a:t>Add some text to the title slide</a:t>
+              <a:t>Purpose</a:t>
             </a:r>
             <a:endParaRPr lang="ko-KR" altLang="en-US" dirty="0"/>
           </a:p>
@@ -3883,7 +3983,7 @@
           <a:p>
             <a:r>
               <a:rPr lang="en-US" altLang="ko-KR" dirty="0"/>
-              <a:t>Replace with your own text</a:t>
+              <a:t>Usage</a:t>
             </a:r>
             <a:endParaRPr lang="ko-KR" altLang="en-US" dirty="0"/>
           </a:p>
@@ -3905,8 +4005,8 @@
           <a:lstStyle/>
           <a:p>
             <a:r>
-              <a:rPr lang="en-US" altLang="ko-KR"/>
-              <a:t>Add some text to the title slide</a:t>
+              <a:rPr lang="en-US" altLang="ko-KR" dirty="0"/>
+              <a:t>USAGE</a:t>
             </a:r>
             <a:endParaRPr lang="ko-KR" altLang="en-US" dirty="0"/>
           </a:p>
